--- a/06_unsupervised_ML/99_Project_NorthFace/northface_project.pptx
+++ b/06_unsupervised_ML/99_Project_NorthFace/northface_project.pptx
@@ -121,8 +121,7 @@
 <file path=ppt/revisionInfo.xml><?xml version="1.0" encoding="utf-8"?>
 <p1510:revInfo xmlns:a="http://schemas.openxmlformats.org/drawingml/2006/main" xmlns:r="http://schemas.openxmlformats.org/officeDocument/2006/relationships" xmlns:p1510="http://schemas.microsoft.com/office/powerpoint/2015/10/main">
   <p1510:revLst>
-    <p1510:client id="{B2EE689F-2065-402A-8908-926DEA39FEF1}" v="24" dt="2024-08-20T16:47:30.252"/>
-    <p1510:client id="{FB309223-E9E0-44D1-8A29-32821B1882E7}" v="10" dt="2024-08-21T09:47:36.906"/>
+    <p1510:client id="{7ABFC19D-A32C-4AA8-AD8F-C42395D3CB65}" v="1" dt="2024-08-24T09:47:59.248"/>
   </p1510:revLst>
 </p1510:revInfo>
 </file>
@@ -130,43 +129,35 @@
 <file path=ppt/changesInfos/changesInfo1.xml><?xml version="1.0" encoding="utf-8"?>
 <pc:chgInfo xmlns:a="http://schemas.openxmlformats.org/drawingml/2006/main" xmlns:r="http://schemas.openxmlformats.org/officeDocument/2006/relationships" xmlns:ac="http://schemas.microsoft.com/office/drawing/2013/main/command" xmlns:pc="http://schemas.microsoft.com/office/powerpoint/2013/main/command">
   <pc:docChgLst>
-    <pc:chgData name="Philippe Baucour" userId="5102170ae7533958" providerId="LiveId" clId="{FB309223-E9E0-44D1-8A29-32821B1882E7}"/>
-    <pc:docChg chg="custSel addSld delSld modSld sldOrd">
-      <pc:chgData name="Philippe Baucour" userId="5102170ae7533958" providerId="LiveId" clId="{FB309223-E9E0-44D1-8A29-32821B1882E7}" dt="2024-08-21T12:31:04.125" v="986" actId="20577"/>
+    <pc:chgData name="Philippe Baucour" userId="5102170ae7533958" providerId="LiveId" clId="{E03E74EA-EF3B-43B4-9B17-52CA29A38D90}"/>
+    <pc:docChg chg="custSel delSld modSld">
+      <pc:chgData name="Philippe Baucour" userId="5102170ae7533958" providerId="LiveId" clId="{E03E74EA-EF3B-43B4-9B17-52CA29A38D90}" dt="2024-08-21T12:35:19.854" v="11" actId="6549"/>
       <pc:docMkLst>
         <pc:docMk/>
       </pc:docMkLst>
       <pc:sldChg chg="modSp mod">
-        <pc:chgData name="Philippe Baucour" userId="5102170ae7533958" providerId="LiveId" clId="{FB309223-E9E0-44D1-8A29-32821B1882E7}" dt="2024-08-21T06:25:23.044" v="23" actId="20577"/>
+        <pc:chgData name="Philippe Baucour" userId="5102170ae7533958" providerId="LiveId" clId="{E03E74EA-EF3B-43B4-9B17-52CA29A38D90}" dt="2024-08-21T12:35:19.854" v="11" actId="6549"/>
         <pc:sldMkLst>
           <pc:docMk/>
           <pc:sldMk cId="1392602265" sldId="256"/>
         </pc:sldMkLst>
         <pc:spChg chg="mod">
-          <ac:chgData name="Philippe Baucour" userId="5102170ae7533958" providerId="LiveId" clId="{FB309223-E9E0-44D1-8A29-32821B1882E7}" dt="2024-08-21T06:23:02.488" v="14" actId="6549"/>
+          <ac:chgData name="Philippe Baucour" userId="5102170ae7533958" providerId="LiveId" clId="{E03E74EA-EF3B-43B4-9B17-52CA29A38D90}" dt="2024-08-21T12:35:19.854" v="11" actId="6549"/>
           <ac:spMkLst>
             <pc:docMk/>
             <pc:sldMk cId="1392602265" sldId="256"/>
             <ac:spMk id="2" creationId="{27403E06-B2E3-4008-35B5-576464278A6D}"/>
           </ac:spMkLst>
         </pc:spChg>
+      </pc:sldChg>
+      <pc:sldChg chg="modSp mod">
+        <pc:chgData name="Philippe Baucour" userId="5102170ae7533958" providerId="LiveId" clId="{E03E74EA-EF3B-43B4-9B17-52CA29A38D90}" dt="2024-08-21T12:35:07.155" v="3" actId="6549"/>
+        <pc:sldMkLst>
+          <pc:docMk/>
+          <pc:sldMk cId="3201622378" sldId="257"/>
+        </pc:sldMkLst>
         <pc:spChg chg="mod">
-          <ac:chgData name="Philippe Baucour" userId="5102170ae7533958" providerId="LiveId" clId="{FB309223-E9E0-44D1-8A29-32821B1882E7}" dt="2024-08-21T06:25:23.044" v="23" actId="20577"/>
-          <ac:spMkLst>
-            <pc:docMk/>
-            <pc:sldMk cId="1392602265" sldId="256"/>
-            <ac:spMk id="3" creationId="{08069205-150B-B4B1-565B-156D78F5E9E8}"/>
-          </ac:spMkLst>
-        </pc:spChg>
-      </pc:sldChg>
-      <pc:sldChg chg="modSp mod">
-        <pc:chgData name="Philippe Baucour" userId="5102170ae7533958" providerId="LiveId" clId="{FB309223-E9E0-44D1-8A29-32821B1882E7}" dt="2024-08-21T12:31:04.125" v="986" actId="20577"/>
-        <pc:sldMkLst>
-          <pc:docMk/>
-          <pc:sldMk cId="3201622378" sldId="257"/>
-        </pc:sldMkLst>
-        <pc:spChg chg="mod">
-          <ac:chgData name="Philippe Baucour" userId="5102170ae7533958" providerId="LiveId" clId="{FB309223-E9E0-44D1-8A29-32821B1882E7}" dt="2024-08-21T12:31:04.125" v="986" actId="20577"/>
+          <ac:chgData name="Philippe Baucour" userId="5102170ae7533958" providerId="LiveId" clId="{E03E74EA-EF3B-43B4-9B17-52CA29A38D90}" dt="2024-08-21T12:35:07.155" v="3" actId="6549"/>
           <ac:spMkLst>
             <pc:docMk/>
             <pc:sldMk cId="3201622378" sldId="257"/>
@@ -175,13 +166,13 @@
         </pc:spChg>
       </pc:sldChg>
       <pc:sldChg chg="modSp mod">
-        <pc:chgData name="Philippe Baucour" userId="5102170ae7533958" providerId="LiveId" clId="{FB309223-E9E0-44D1-8A29-32821B1882E7}" dt="2024-08-21T09:33:23.752" v="122" actId="113"/>
+        <pc:chgData name="Philippe Baucour" userId="5102170ae7533958" providerId="LiveId" clId="{E03E74EA-EF3B-43B4-9B17-52CA29A38D90}" dt="2024-08-21T12:34:52.029" v="1" actId="27636"/>
         <pc:sldMkLst>
           <pc:docMk/>
           <pc:sldMk cId="246086491" sldId="258"/>
         </pc:sldMkLst>
         <pc:spChg chg="mod">
-          <ac:chgData name="Philippe Baucour" userId="5102170ae7533958" providerId="LiveId" clId="{FB309223-E9E0-44D1-8A29-32821B1882E7}" dt="2024-08-21T09:33:23.752" v="122" actId="113"/>
+          <ac:chgData name="Philippe Baucour" userId="5102170ae7533958" providerId="LiveId" clId="{E03E74EA-EF3B-43B4-9B17-52CA29A38D90}" dt="2024-08-21T12:34:52.029" v="1" actId="27636"/>
           <ac:spMkLst>
             <pc:docMk/>
             <pc:sldMk cId="246086491" sldId="258"/>
@@ -189,342 +180,34 @@
           </ac:spMkLst>
         </pc:spChg>
       </pc:sldChg>
-      <pc:sldChg chg="addSp delSp modSp new mod">
-        <pc:chgData name="Philippe Baucour" userId="5102170ae7533958" providerId="LiveId" clId="{FB309223-E9E0-44D1-8A29-32821B1882E7}" dt="2024-08-21T09:38:10.829" v="184" actId="20577"/>
+      <pc:sldChg chg="del">
+        <pc:chgData name="Philippe Baucour" userId="5102170ae7533958" providerId="LiveId" clId="{E03E74EA-EF3B-43B4-9B17-52CA29A38D90}" dt="2024-08-21T12:35:00.382" v="2" actId="47"/>
         <pc:sldMkLst>
           <pc:docMk/>
           <pc:sldMk cId="892752956" sldId="259"/>
         </pc:sldMkLst>
-        <pc:spChg chg="mod">
-          <ac:chgData name="Philippe Baucour" userId="5102170ae7533958" providerId="LiveId" clId="{FB309223-E9E0-44D1-8A29-32821B1882E7}" dt="2024-08-21T09:38:10.829" v="184" actId="20577"/>
-          <ac:spMkLst>
-            <pc:docMk/>
-            <pc:sldMk cId="892752956" sldId="259"/>
-            <ac:spMk id="2" creationId="{A024FC35-53CD-88DD-EF44-F283E03E345D}"/>
-          </ac:spMkLst>
-        </pc:spChg>
-        <pc:spChg chg="del">
-          <ac:chgData name="Philippe Baucour" userId="5102170ae7533958" providerId="LiveId" clId="{FB309223-E9E0-44D1-8A29-32821B1882E7}" dt="2024-08-21T07:54:03.478" v="60" actId="22"/>
-          <ac:spMkLst>
-            <pc:docMk/>
-            <pc:sldMk cId="892752956" sldId="259"/>
-            <ac:spMk id="3" creationId="{30646F99-932C-FBA7-BB1E-0F4196096025}"/>
-          </ac:spMkLst>
-        </pc:spChg>
-        <pc:picChg chg="add mod">
-          <ac:chgData name="Philippe Baucour" userId="5102170ae7533958" providerId="LiveId" clId="{FB309223-E9E0-44D1-8A29-32821B1882E7}" dt="2024-08-21T07:57:20.160" v="91" actId="1076"/>
-          <ac:picMkLst>
-            <pc:docMk/>
-            <pc:sldMk cId="892752956" sldId="259"/>
-            <ac:picMk id="5" creationId="{5ABBF3DD-A119-B54D-5723-943BC572AD06}"/>
-          </ac:picMkLst>
-        </pc:picChg>
-        <pc:picChg chg="add mod ord">
-          <ac:chgData name="Philippe Baucour" userId="5102170ae7533958" providerId="LiveId" clId="{FB309223-E9E0-44D1-8A29-32821B1882E7}" dt="2024-08-21T07:57:24.875" v="92" actId="1076"/>
-          <ac:picMkLst>
-            <pc:docMk/>
-            <pc:sldMk cId="892752956" sldId="259"/>
-            <ac:picMk id="7" creationId="{D3600613-DF05-C919-931A-D6FF20B36C7C}"/>
-          </ac:picMkLst>
-        </pc:picChg>
-        <pc:picChg chg="add mod">
-          <ac:chgData name="Philippe Baucour" userId="5102170ae7533958" providerId="LiveId" clId="{FB309223-E9E0-44D1-8A29-32821B1882E7}" dt="2024-08-21T07:57:05.575" v="89" actId="1076"/>
-          <ac:picMkLst>
-            <pc:docMk/>
-            <pc:sldMk cId="892752956" sldId="259"/>
-            <ac:picMk id="9" creationId="{5893ECF7-2F64-1068-FA39-5C705A8BDF9C}"/>
-          </ac:picMkLst>
-        </pc:picChg>
       </pc:sldChg>
       <pc:sldChg chg="del">
-        <pc:chgData name="Philippe Baucour" userId="5102170ae7533958" providerId="LiveId" clId="{FB309223-E9E0-44D1-8A29-32821B1882E7}" dt="2024-08-21T06:25:51.407" v="26" actId="47"/>
-        <pc:sldMkLst>
-          <pc:docMk/>
-          <pc:sldMk cId="3595025937" sldId="259"/>
+        <pc:chgData name="Philippe Baucour" userId="5102170ae7533958" providerId="LiveId" clId="{E03E74EA-EF3B-43B4-9B17-52CA29A38D90}" dt="2024-08-21T12:35:00.382" v="2" actId="47"/>
+        <pc:sldMkLst>
+          <pc:docMk/>
+          <pc:sldMk cId="3990801946" sldId="260"/>
         </pc:sldMkLst>
       </pc:sldChg>
       <pc:sldChg chg="del">
-        <pc:chgData name="Philippe Baucour" userId="5102170ae7533958" providerId="LiveId" clId="{FB309223-E9E0-44D1-8A29-32821B1882E7}" dt="2024-08-21T06:25:44.400" v="25" actId="47"/>
-        <pc:sldMkLst>
-          <pc:docMk/>
-          <pc:sldMk cId="3605500931" sldId="260"/>
-        </pc:sldMkLst>
-      </pc:sldChg>
-      <pc:sldChg chg="addSp new mod modShow">
-        <pc:chgData name="Philippe Baucour" userId="5102170ae7533958" providerId="LiveId" clId="{FB309223-E9E0-44D1-8A29-32821B1882E7}" dt="2024-08-21T09:34:57.080" v="123" actId="729"/>
-        <pc:sldMkLst>
-          <pc:docMk/>
-          <pc:sldMk cId="3990801946" sldId="260"/>
-        </pc:sldMkLst>
-        <pc:picChg chg="add">
-          <ac:chgData name="Philippe Baucour" userId="5102170ae7533958" providerId="LiveId" clId="{FB309223-E9E0-44D1-8A29-32821B1882E7}" dt="2024-08-21T08:14:44.970" v="94" actId="22"/>
-          <ac:picMkLst>
-            <pc:docMk/>
-            <pc:sldMk cId="3990801946" sldId="260"/>
-            <ac:picMk id="5" creationId="{8B75FBC1-EA90-D2FE-23A0-F3731B5A3809}"/>
-          </ac:picMkLst>
-        </pc:picChg>
+        <pc:chgData name="Philippe Baucour" userId="5102170ae7533958" providerId="LiveId" clId="{E03E74EA-EF3B-43B4-9B17-52CA29A38D90}" dt="2024-08-21T12:35:00.382" v="2" actId="47"/>
+        <pc:sldMkLst>
+          <pc:docMk/>
+          <pc:sldMk cId="3454558438" sldId="261"/>
+        </pc:sldMkLst>
       </pc:sldChg>
       <pc:sldChg chg="del">
-        <pc:chgData name="Philippe Baucour" userId="5102170ae7533958" providerId="LiveId" clId="{FB309223-E9E0-44D1-8A29-32821B1882E7}" dt="2024-08-21T06:25:44.400" v="25" actId="47"/>
-        <pc:sldMkLst>
-          <pc:docMk/>
-          <pc:sldMk cId="1735660937" sldId="261"/>
-        </pc:sldMkLst>
-      </pc:sldChg>
-      <pc:sldChg chg="addSp modSp new mod">
-        <pc:chgData name="Philippe Baucour" userId="5102170ae7533958" providerId="LiveId" clId="{FB309223-E9E0-44D1-8A29-32821B1882E7}" dt="2024-08-21T09:43:32.664" v="374" actId="1076"/>
-        <pc:sldMkLst>
-          <pc:docMk/>
-          <pc:sldMk cId="3454558438" sldId="261"/>
-        </pc:sldMkLst>
-        <pc:spChg chg="mod">
-          <ac:chgData name="Philippe Baucour" userId="5102170ae7533958" providerId="LiveId" clId="{FB309223-E9E0-44D1-8A29-32821B1882E7}" dt="2024-08-21T09:38:50.907" v="219" actId="20577"/>
-          <ac:spMkLst>
-            <pc:docMk/>
-            <pc:sldMk cId="3454558438" sldId="261"/>
-            <ac:spMk id="2" creationId="{935C78F2-E436-8ADF-CE5B-66BF45E9E568}"/>
-          </ac:spMkLst>
-        </pc:spChg>
-        <pc:spChg chg="mod">
-          <ac:chgData name="Philippe Baucour" userId="5102170ae7533958" providerId="LiveId" clId="{FB309223-E9E0-44D1-8A29-32821B1882E7}" dt="2024-08-21T09:41:22.792" v="363" actId="20577"/>
-          <ac:spMkLst>
-            <pc:docMk/>
-            <pc:sldMk cId="3454558438" sldId="261"/>
-            <ac:spMk id="3" creationId="{E734364D-B34D-5F15-6CEE-9DA8E3E22AF4}"/>
-          </ac:spMkLst>
-        </pc:spChg>
-        <pc:spChg chg="add mod">
-          <ac:chgData name="Philippe Baucour" userId="5102170ae7533958" providerId="LiveId" clId="{FB309223-E9E0-44D1-8A29-32821B1882E7}" dt="2024-08-21T09:43:16.703" v="370" actId="1076"/>
-          <ac:spMkLst>
-            <pc:docMk/>
-            <pc:sldMk cId="3454558438" sldId="261"/>
-            <ac:spMk id="6" creationId="{C766939B-CC16-7C21-D857-130CDCE09F8D}"/>
-          </ac:spMkLst>
-        </pc:spChg>
-        <pc:spChg chg="add mod">
-          <ac:chgData name="Philippe Baucour" userId="5102170ae7533958" providerId="LiveId" clId="{FB309223-E9E0-44D1-8A29-32821B1882E7}" dt="2024-08-21T09:43:32.664" v="374" actId="1076"/>
-          <ac:spMkLst>
-            <pc:docMk/>
-            <pc:sldMk cId="3454558438" sldId="261"/>
-            <ac:spMk id="7" creationId="{18BC7FE4-5F78-D634-4263-6FA6A93BA047}"/>
-          </ac:spMkLst>
-        </pc:spChg>
-        <pc:picChg chg="add mod">
-          <ac:chgData name="Philippe Baucour" userId="5102170ae7533958" providerId="LiveId" clId="{FB309223-E9E0-44D1-8A29-32821B1882E7}" dt="2024-08-21T09:36:25.164" v="128" actId="14100"/>
-          <ac:picMkLst>
-            <pc:docMk/>
-            <pc:sldMk cId="3454558438" sldId="261"/>
-            <ac:picMk id="5" creationId="{2795080A-F80C-CE36-490B-9B7C1D2E065F}"/>
-          </ac:picMkLst>
-        </pc:picChg>
-      </pc:sldChg>
-      <pc:sldChg chg="addSp modSp new mod">
-        <pc:chgData name="Philippe Baucour" userId="5102170ae7533958" providerId="LiveId" clId="{FB309223-E9E0-44D1-8A29-32821B1882E7}" dt="2024-08-21T09:50:30.265" v="615" actId="1076"/>
+        <pc:chgData name="Philippe Baucour" userId="5102170ae7533958" providerId="LiveId" clId="{E03E74EA-EF3B-43B4-9B17-52CA29A38D90}" dt="2024-08-21T12:35:00.382" v="2" actId="47"/>
         <pc:sldMkLst>
           <pc:docMk/>
           <pc:sldMk cId="2740920124" sldId="262"/>
         </pc:sldMkLst>
-        <pc:spChg chg="mod">
-          <ac:chgData name="Philippe Baucour" userId="5102170ae7533958" providerId="LiveId" clId="{FB309223-E9E0-44D1-8A29-32821B1882E7}" dt="2024-08-21T09:43:57.239" v="376"/>
-          <ac:spMkLst>
-            <pc:docMk/>
-            <pc:sldMk cId="2740920124" sldId="262"/>
-            <ac:spMk id="2" creationId="{54A1E88B-4A50-17FA-A85B-9497818A7071}"/>
-          </ac:spMkLst>
-        </pc:spChg>
-        <pc:spChg chg="mod">
-          <ac:chgData name="Philippe Baucour" userId="5102170ae7533958" providerId="LiveId" clId="{FB309223-E9E0-44D1-8A29-32821B1882E7}" dt="2024-08-21T09:50:20.789" v="614" actId="20577"/>
-          <ac:spMkLst>
-            <pc:docMk/>
-            <pc:sldMk cId="2740920124" sldId="262"/>
-            <ac:spMk id="3" creationId="{0006FB1E-E832-F506-45C7-50EE301D0B05}"/>
-          </ac:spMkLst>
-        </pc:spChg>
-        <pc:spChg chg="add mod">
-          <ac:chgData name="Philippe Baucour" userId="5102170ae7533958" providerId="LiveId" clId="{FB309223-E9E0-44D1-8A29-32821B1882E7}" dt="2024-08-21T09:50:30.265" v="615" actId="1076"/>
-          <ac:spMkLst>
-            <pc:docMk/>
-            <pc:sldMk cId="2740920124" sldId="262"/>
-            <ac:spMk id="6" creationId="{319E57BF-83E8-D8F8-033F-120C2C1D92A1}"/>
-          </ac:spMkLst>
-        </pc:spChg>
-        <pc:spChg chg="add mod">
-          <ac:chgData name="Philippe Baucour" userId="5102170ae7533958" providerId="LiveId" clId="{FB309223-E9E0-44D1-8A29-32821B1882E7}" dt="2024-08-21T09:47:45.925" v="448" actId="1076"/>
-          <ac:spMkLst>
-            <pc:docMk/>
-            <pc:sldMk cId="2740920124" sldId="262"/>
-            <ac:spMk id="7" creationId="{ADDDD8F1-8EC5-0A67-E1C4-FDF4AD008E81}"/>
-          </ac:spMkLst>
-        </pc:spChg>
-        <pc:picChg chg="add mod">
-          <ac:chgData name="Philippe Baucour" userId="5102170ae7533958" providerId="LiveId" clId="{FB309223-E9E0-44D1-8A29-32821B1882E7}" dt="2024-08-21T09:46:32.437" v="396" actId="14100"/>
-          <ac:picMkLst>
-            <pc:docMk/>
-            <pc:sldMk cId="2740920124" sldId="262"/>
-            <ac:picMk id="5" creationId="{81520DF2-72B8-6F56-80CE-7A098C984E5F}"/>
-          </ac:picMkLst>
-        </pc:picChg>
-      </pc:sldChg>
-      <pc:sldChg chg="addSp delSp modSp new mod ord modClrScheme chgLayout">
-        <pc:chgData name="Philippe Baucour" userId="5102170ae7533958" providerId="LiveId" clId="{FB309223-E9E0-44D1-8A29-32821B1882E7}" dt="2024-08-21T12:23:40.864" v="827" actId="14100"/>
-        <pc:sldMkLst>
-          <pc:docMk/>
-          <pc:sldMk cId="312535264" sldId="263"/>
-        </pc:sldMkLst>
-        <pc:spChg chg="del mod ord">
-          <ac:chgData name="Philippe Baucour" userId="5102170ae7533958" providerId="LiveId" clId="{FB309223-E9E0-44D1-8A29-32821B1882E7}" dt="2024-08-21T12:23:17.064" v="810" actId="700"/>
-          <ac:spMkLst>
-            <pc:docMk/>
-            <pc:sldMk cId="312535264" sldId="263"/>
-            <ac:spMk id="2" creationId="{F4044EF5-9ECC-76E9-63AF-0F02E108A35A}"/>
-          </ac:spMkLst>
-        </pc:spChg>
-        <pc:spChg chg="del mod ord">
-          <ac:chgData name="Philippe Baucour" userId="5102170ae7533958" providerId="LiveId" clId="{FB309223-E9E0-44D1-8A29-32821B1882E7}" dt="2024-08-21T12:23:17.064" v="810" actId="700"/>
-          <ac:spMkLst>
-            <pc:docMk/>
-            <pc:sldMk cId="312535264" sldId="263"/>
-            <ac:spMk id="3" creationId="{B776B5C4-87EF-3C6D-B666-D729B83914A9}"/>
-          </ac:spMkLst>
-        </pc:spChg>
-        <pc:spChg chg="add mod ord">
-          <ac:chgData name="Philippe Baucour" userId="5102170ae7533958" providerId="LiveId" clId="{FB309223-E9E0-44D1-8A29-32821B1882E7}" dt="2024-08-21T12:23:40.864" v="827" actId="14100"/>
-          <ac:spMkLst>
-            <pc:docMk/>
-            <pc:sldMk cId="312535264" sldId="263"/>
-            <ac:spMk id="4" creationId="{80E590DF-0A88-7056-85D1-A8E809E2318F}"/>
-          </ac:spMkLst>
-        </pc:spChg>
-        <pc:spChg chg="add mod ord">
-          <ac:chgData name="Philippe Baucour" userId="5102170ae7533958" providerId="LiveId" clId="{FB309223-E9E0-44D1-8A29-32821B1882E7}" dt="2024-08-21T12:23:17.064" v="810" actId="700"/>
-          <ac:spMkLst>
-            <pc:docMk/>
-            <pc:sldMk cId="312535264" sldId="263"/>
-            <ac:spMk id="5" creationId="{64E8BF61-007C-0740-1AA1-06B9449B33C7}"/>
-          </ac:spMkLst>
-        </pc:spChg>
-      </pc:sldChg>
-      <pc:sldChg chg="del">
-        <pc:chgData name="Philippe Baucour" userId="5102170ae7533958" providerId="LiveId" clId="{FB309223-E9E0-44D1-8A29-32821B1882E7}" dt="2024-08-21T06:25:44.400" v="25" actId="47"/>
-        <pc:sldMkLst>
-          <pc:docMk/>
-          <pc:sldMk cId="3032471110" sldId="264"/>
-        </pc:sldMkLst>
-      </pc:sldChg>
-      <pc:sldChg chg="del">
-        <pc:chgData name="Philippe Baucour" userId="5102170ae7533958" providerId="LiveId" clId="{FB309223-E9E0-44D1-8A29-32821B1882E7}" dt="2024-08-21T06:25:44.400" v="25" actId="47"/>
-        <pc:sldMkLst>
-          <pc:docMk/>
-          <pc:sldMk cId="747625521" sldId="266"/>
-        </pc:sldMkLst>
-      </pc:sldChg>
-      <pc:sldChg chg="del">
-        <pc:chgData name="Philippe Baucour" userId="5102170ae7533958" providerId="LiveId" clId="{FB309223-E9E0-44D1-8A29-32821B1882E7}" dt="2024-08-21T06:25:44.400" v="25" actId="47"/>
-        <pc:sldMkLst>
-          <pc:docMk/>
-          <pc:sldMk cId="2297956533" sldId="267"/>
-        </pc:sldMkLst>
-      </pc:sldChg>
-      <pc:sldChg chg="del">
-        <pc:chgData name="Philippe Baucour" userId="5102170ae7533958" providerId="LiveId" clId="{FB309223-E9E0-44D1-8A29-32821B1882E7}" dt="2024-08-21T06:25:44.400" v="25" actId="47"/>
-        <pc:sldMkLst>
-          <pc:docMk/>
-          <pc:sldMk cId="1147535142" sldId="268"/>
-        </pc:sldMkLst>
-      </pc:sldChg>
-      <pc:sldChg chg="del">
-        <pc:chgData name="Philippe Baucour" userId="5102170ae7533958" providerId="LiveId" clId="{FB309223-E9E0-44D1-8A29-32821B1882E7}" dt="2024-08-21T06:25:44.400" v="25" actId="47"/>
-        <pc:sldMkLst>
-          <pc:docMk/>
-          <pc:sldMk cId="1748231111" sldId="269"/>
-        </pc:sldMkLst>
-      </pc:sldChg>
-      <pc:sldChg chg="del">
-        <pc:chgData name="Philippe Baucour" userId="5102170ae7533958" providerId="LiveId" clId="{FB309223-E9E0-44D1-8A29-32821B1882E7}" dt="2024-08-21T06:25:44.400" v="25" actId="47"/>
-        <pc:sldMkLst>
-          <pc:docMk/>
-          <pc:sldMk cId="2492228979" sldId="270"/>
-        </pc:sldMkLst>
-      </pc:sldChg>
-      <pc:sldChg chg="del">
-        <pc:chgData name="Philippe Baucour" userId="5102170ae7533958" providerId="LiveId" clId="{FB309223-E9E0-44D1-8A29-32821B1882E7}" dt="2024-08-21T06:25:44.400" v="25" actId="47"/>
-        <pc:sldMkLst>
-          <pc:docMk/>
-          <pc:sldMk cId="1525589597" sldId="271"/>
-        </pc:sldMkLst>
-      </pc:sldChg>
-      <pc:sldChg chg="del">
-        <pc:chgData name="Philippe Baucour" userId="5102170ae7533958" providerId="LiveId" clId="{FB309223-E9E0-44D1-8A29-32821B1882E7}" dt="2024-08-21T06:25:44.400" v="25" actId="47"/>
-        <pc:sldMkLst>
-          <pc:docMk/>
-          <pc:sldMk cId="789373151" sldId="272"/>
-        </pc:sldMkLst>
-      </pc:sldChg>
-      <pc:sldChg chg="del">
-        <pc:chgData name="Philippe Baucour" userId="5102170ae7533958" providerId="LiveId" clId="{FB309223-E9E0-44D1-8A29-32821B1882E7}" dt="2024-08-21T06:25:44.400" v="25" actId="47"/>
-        <pc:sldMkLst>
-          <pc:docMk/>
-          <pc:sldMk cId="84679321" sldId="273"/>
-        </pc:sldMkLst>
-      </pc:sldChg>
-      <pc:sldChg chg="del">
-        <pc:chgData name="Philippe Baucour" userId="5102170ae7533958" providerId="LiveId" clId="{FB309223-E9E0-44D1-8A29-32821B1882E7}" dt="2024-08-21T06:25:44.400" v="25" actId="47"/>
-        <pc:sldMkLst>
-          <pc:docMk/>
-          <pc:sldMk cId="3456324371" sldId="274"/>
-        </pc:sldMkLst>
-      </pc:sldChg>
-      <pc:sldChg chg="del">
-        <pc:chgData name="Philippe Baucour" userId="5102170ae7533958" providerId="LiveId" clId="{FB309223-E9E0-44D1-8A29-32821B1882E7}" dt="2024-08-21T06:25:44.400" v="25" actId="47"/>
-        <pc:sldMkLst>
-          <pc:docMk/>
-          <pc:sldMk cId="2038859278" sldId="275"/>
-        </pc:sldMkLst>
-      </pc:sldChg>
-      <pc:sldChg chg="del">
-        <pc:chgData name="Philippe Baucour" userId="5102170ae7533958" providerId="LiveId" clId="{FB309223-E9E0-44D1-8A29-32821B1882E7}" dt="2024-08-21T06:25:44.400" v="25" actId="47"/>
-        <pc:sldMkLst>
-          <pc:docMk/>
-          <pc:sldMk cId="983044138" sldId="276"/>
-        </pc:sldMkLst>
-      </pc:sldChg>
-      <pc:sldChg chg="del">
-        <pc:chgData name="Philippe Baucour" userId="5102170ae7533958" providerId="LiveId" clId="{FB309223-E9E0-44D1-8A29-32821B1882E7}" dt="2024-08-21T06:25:44.400" v="25" actId="47"/>
-        <pc:sldMkLst>
-          <pc:docMk/>
-          <pc:sldMk cId="3225795604" sldId="277"/>
-        </pc:sldMkLst>
-      </pc:sldChg>
-      <pc:sldChg chg="del">
-        <pc:chgData name="Philippe Baucour" userId="5102170ae7533958" providerId="LiveId" clId="{FB309223-E9E0-44D1-8A29-32821B1882E7}" dt="2024-08-21T06:25:44.400" v="25" actId="47"/>
-        <pc:sldMkLst>
-          <pc:docMk/>
-          <pc:sldMk cId="694977292" sldId="278"/>
-        </pc:sldMkLst>
-      </pc:sldChg>
-      <pc:sldChg chg="del">
-        <pc:chgData name="Philippe Baucour" userId="5102170ae7533958" providerId="LiveId" clId="{FB309223-E9E0-44D1-8A29-32821B1882E7}" dt="2024-08-21T06:25:44.400" v="25" actId="47"/>
-        <pc:sldMkLst>
-          <pc:docMk/>
-          <pc:sldMk cId="1712493428" sldId="279"/>
-        </pc:sldMkLst>
-      </pc:sldChg>
-      <pc:sldMasterChg chg="delSldLayout">
-        <pc:chgData name="Philippe Baucour" userId="5102170ae7533958" providerId="LiveId" clId="{FB309223-E9E0-44D1-8A29-32821B1882E7}" dt="2024-08-21T06:25:44.400" v="25" actId="47"/>
-        <pc:sldMasterMkLst>
-          <pc:docMk/>
-          <pc:sldMasterMk cId="4125817664" sldId="2147483660"/>
-        </pc:sldMasterMkLst>
-        <pc:sldLayoutChg chg="del">
-          <pc:chgData name="Philippe Baucour" userId="5102170ae7533958" providerId="LiveId" clId="{FB309223-E9E0-44D1-8A29-32821B1882E7}" dt="2024-08-21T06:25:44.400" v="25" actId="47"/>
-          <pc:sldLayoutMkLst>
-            <pc:docMk/>
-            <pc:sldMasterMk cId="4125817664" sldId="2147483660"/>
-            <pc:sldLayoutMk cId="1645818959" sldId="2147483672"/>
-          </pc:sldLayoutMkLst>
-        </pc:sldLayoutChg>
-      </pc:sldMasterChg>
+      </pc:sldChg>
     </pc:docChg>
   </pc:docChgLst>
   <pc:docChgLst>
@@ -575,84 +258,26 @@
     </pc:docChg>
   </pc:docChgLst>
   <pc:docChgLst>
-    <pc:chgData name="Philippe Baucour" userId="5102170ae7533958" providerId="LiveId" clId="{E03E74EA-EF3B-43B4-9B17-52CA29A38D90}"/>
-    <pc:docChg chg="custSel delSld modSld">
-      <pc:chgData name="Philippe Baucour" userId="5102170ae7533958" providerId="LiveId" clId="{E03E74EA-EF3B-43B4-9B17-52CA29A38D90}" dt="2024-08-21T12:35:19.854" v="11" actId="6549"/>
+    <pc:chgData name="Philippe Baucour" userId="5102170ae7533958" providerId="LiveId" clId="{7ABFC19D-A32C-4AA8-AD8F-C42395D3CB65}"/>
+    <pc:docChg chg="custSel modSld">
+      <pc:chgData name="Philippe Baucour" userId="5102170ae7533958" providerId="LiveId" clId="{7ABFC19D-A32C-4AA8-AD8F-C42395D3CB65}" dt="2024-08-24T09:48:01.344" v="4" actId="20577"/>
       <pc:docMkLst>
         <pc:docMk/>
       </pc:docMkLst>
       <pc:sldChg chg="modSp mod">
-        <pc:chgData name="Philippe Baucour" userId="5102170ae7533958" providerId="LiveId" clId="{E03E74EA-EF3B-43B4-9B17-52CA29A38D90}" dt="2024-08-21T12:35:19.854" v="11" actId="6549"/>
+        <pc:chgData name="Philippe Baucour" userId="5102170ae7533958" providerId="LiveId" clId="{7ABFC19D-A32C-4AA8-AD8F-C42395D3CB65}" dt="2024-08-24T09:48:01.344" v="4" actId="20577"/>
         <pc:sldMkLst>
           <pc:docMk/>
           <pc:sldMk cId="1392602265" sldId="256"/>
         </pc:sldMkLst>
         <pc:spChg chg="mod">
-          <ac:chgData name="Philippe Baucour" userId="5102170ae7533958" providerId="LiveId" clId="{E03E74EA-EF3B-43B4-9B17-52CA29A38D90}" dt="2024-08-21T12:35:19.854" v="11" actId="6549"/>
+          <ac:chgData name="Philippe Baucour" userId="5102170ae7533958" providerId="LiveId" clId="{7ABFC19D-A32C-4AA8-AD8F-C42395D3CB65}" dt="2024-08-24T09:48:01.344" v="4" actId="20577"/>
           <ac:spMkLst>
             <pc:docMk/>
             <pc:sldMk cId="1392602265" sldId="256"/>
-            <ac:spMk id="2" creationId="{27403E06-B2E3-4008-35B5-576464278A6D}"/>
-          </ac:spMkLst>
-        </pc:spChg>
-      </pc:sldChg>
-      <pc:sldChg chg="modSp mod">
-        <pc:chgData name="Philippe Baucour" userId="5102170ae7533958" providerId="LiveId" clId="{E03E74EA-EF3B-43B4-9B17-52CA29A38D90}" dt="2024-08-21T12:35:07.155" v="3" actId="6549"/>
-        <pc:sldMkLst>
-          <pc:docMk/>
-          <pc:sldMk cId="3201622378" sldId="257"/>
-        </pc:sldMkLst>
-        <pc:spChg chg="mod">
-          <ac:chgData name="Philippe Baucour" userId="5102170ae7533958" providerId="LiveId" clId="{E03E74EA-EF3B-43B4-9B17-52CA29A38D90}" dt="2024-08-21T12:35:07.155" v="3" actId="6549"/>
-          <ac:spMkLst>
-            <pc:docMk/>
-            <pc:sldMk cId="3201622378" sldId="257"/>
-            <ac:spMk id="3" creationId="{1A803C62-BD0B-D0AC-2B41-C4F420891B06}"/>
-          </ac:spMkLst>
-        </pc:spChg>
-      </pc:sldChg>
-      <pc:sldChg chg="modSp mod">
-        <pc:chgData name="Philippe Baucour" userId="5102170ae7533958" providerId="LiveId" clId="{E03E74EA-EF3B-43B4-9B17-52CA29A38D90}" dt="2024-08-21T12:34:52.029" v="1" actId="27636"/>
-        <pc:sldMkLst>
-          <pc:docMk/>
-          <pc:sldMk cId="246086491" sldId="258"/>
-        </pc:sldMkLst>
-        <pc:spChg chg="mod">
-          <ac:chgData name="Philippe Baucour" userId="5102170ae7533958" providerId="LiveId" clId="{E03E74EA-EF3B-43B4-9B17-52CA29A38D90}" dt="2024-08-21T12:34:52.029" v="1" actId="27636"/>
-          <ac:spMkLst>
-            <pc:docMk/>
-            <pc:sldMk cId="246086491" sldId="258"/>
-            <ac:spMk id="3" creationId="{A88399CA-BBD6-ECCC-534E-0335C54116C3}"/>
-          </ac:spMkLst>
-        </pc:spChg>
-      </pc:sldChg>
-      <pc:sldChg chg="del">
-        <pc:chgData name="Philippe Baucour" userId="5102170ae7533958" providerId="LiveId" clId="{E03E74EA-EF3B-43B4-9B17-52CA29A38D90}" dt="2024-08-21T12:35:00.382" v="2" actId="47"/>
-        <pc:sldMkLst>
-          <pc:docMk/>
-          <pc:sldMk cId="892752956" sldId="259"/>
-        </pc:sldMkLst>
-      </pc:sldChg>
-      <pc:sldChg chg="del">
-        <pc:chgData name="Philippe Baucour" userId="5102170ae7533958" providerId="LiveId" clId="{E03E74EA-EF3B-43B4-9B17-52CA29A38D90}" dt="2024-08-21T12:35:00.382" v="2" actId="47"/>
-        <pc:sldMkLst>
-          <pc:docMk/>
-          <pc:sldMk cId="3990801946" sldId="260"/>
-        </pc:sldMkLst>
-      </pc:sldChg>
-      <pc:sldChg chg="del">
-        <pc:chgData name="Philippe Baucour" userId="5102170ae7533958" providerId="LiveId" clId="{E03E74EA-EF3B-43B4-9B17-52CA29A38D90}" dt="2024-08-21T12:35:00.382" v="2" actId="47"/>
-        <pc:sldMkLst>
-          <pc:docMk/>
-          <pc:sldMk cId="3454558438" sldId="261"/>
-        </pc:sldMkLst>
-      </pc:sldChg>
-      <pc:sldChg chg="del">
-        <pc:chgData name="Philippe Baucour" userId="5102170ae7533958" providerId="LiveId" clId="{E03E74EA-EF3B-43B4-9B17-52CA29A38D90}" dt="2024-08-21T12:35:00.382" v="2" actId="47"/>
-        <pc:sldMkLst>
-          <pc:docMk/>
-          <pc:sldMk cId="2740920124" sldId="262"/>
-        </pc:sldMkLst>
+            <ac:spMk id="3" creationId="{08069205-150B-B4B1-565B-156D78F5E9E8}"/>
+          </ac:spMkLst>
+        </pc:spChg>
       </pc:sldChg>
     </pc:docChg>
   </pc:docChgLst>
@@ -1556,6 +1181,404 @@
           </ac:picMkLst>
         </pc:picChg>
       </pc:sldChg>
+    </pc:docChg>
+  </pc:docChgLst>
+  <pc:docChgLst>
+    <pc:chgData name="Philippe Baucour" userId="5102170ae7533958" providerId="LiveId" clId="{FB309223-E9E0-44D1-8A29-32821B1882E7}"/>
+    <pc:docChg chg="custSel addSld delSld modSld sldOrd">
+      <pc:chgData name="Philippe Baucour" userId="5102170ae7533958" providerId="LiveId" clId="{FB309223-E9E0-44D1-8A29-32821B1882E7}" dt="2024-08-21T12:31:04.125" v="986" actId="20577"/>
+      <pc:docMkLst>
+        <pc:docMk/>
+      </pc:docMkLst>
+      <pc:sldChg chg="modSp mod">
+        <pc:chgData name="Philippe Baucour" userId="5102170ae7533958" providerId="LiveId" clId="{FB309223-E9E0-44D1-8A29-32821B1882E7}" dt="2024-08-21T06:25:23.044" v="23" actId="20577"/>
+        <pc:sldMkLst>
+          <pc:docMk/>
+          <pc:sldMk cId="1392602265" sldId="256"/>
+        </pc:sldMkLst>
+        <pc:spChg chg="mod">
+          <ac:chgData name="Philippe Baucour" userId="5102170ae7533958" providerId="LiveId" clId="{FB309223-E9E0-44D1-8A29-32821B1882E7}" dt="2024-08-21T06:23:02.488" v="14" actId="6549"/>
+          <ac:spMkLst>
+            <pc:docMk/>
+            <pc:sldMk cId="1392602265" sldId="256"/>
+            <ac:spMk id="2" creationId="{27403E06-B2E3-4008-35B5-576464278A6D}"/>
+          </ac:spMkLst>
+        </pc:spChg>
+        <pc:spChg chg="mod">
+          <ac:chgData name="Philippe Baucour" userId="5102170ae7533958" providerId="LiveId" clId="{FB309223-E9E0-44D1-8A29-32821B1882E7}" dt="2024-08-21T06:25:23.044" v="23" actId="20577"/>
+          <ac:spMkLst>
+            <pc:docMk/>
+            <pc:sldMk cId="1392602265" sldId="256"/>
+            <ac:spMk id="3" creationId="{08069205-150B-B4B1-565B-156D78F5E9E8}"/>
+          </ac:spMkLst>
+        </pc:spChg>
+      </pc:sldChg>
+      <pc:sldChg chg="modSp mod">
+        <pc:chgData name="Philippe Baucour" userId="5102170ae7533958" providerId="LiveId" clId="{FB309223-E9E0-44D1-8A29-32821B1882E7}" dt="2024-08-21T12:31:04.125" v="986" actId="20577"/>
+        <pc:sldMkLst>
+          <pc:docMk/>
+          <pc:sldMk cId="3201622378" sldId="257"/>
+        </pc:sldMkLst>
+        <pc:spChg chg="mod">
+          <ac:chgData name="Philippe Baucour" userId="5102170ae7533958" providerId="LiveId" clId="{FB309223-E9E0-44D1-8A29-32821B1882E7}" dt="2024-08-21T12:31:04.125" v="986" actId="20577"/>
+          <ac:spMkLst>
+            <pc:docMk/>
+            <pc:sldMk cId="3201622378" sldId="257"/>
+            <ac:spMk id="3" creationId="{1A803C62-BD0B-D0AC-2B41-C4F420891B06}"/>
+          </ac:spMkLst>
+        </pc:spChg>
+      </pc:sldChg>
+      <pc:sldChg chg="modSp mod">
+        <pc:chgData name="Philippe Baucour" userId="5102170ae7533958" providerId="LiveId" clId="{FB309223-E9E0-44D1-8A29-32821B1882E7}" dt="2024-08-21T09:33:23.752" v="122" actId="113"/>
+        <pc:sldMkLst>
+          <pc:docMk/>
+          <pc:sldMk cId="246086491" sldId="258"/>
+        </pc:sldMkLst>
+        <pc:spChg chg="mod">
+          <ac:chgData name="Philippe Baucour" userId="5102170ae7533958" providerId="LiveId" clId="{FB309223-E9E0-44D1-8A29-32821B1882E7}" dt="2024-08-21T09:33:23.752" v="122" actId="113"/>
+          <ac:spMkLst>
+            <pc:docMk/>
+            <pc:sldMk cId="246086491" sldId="258"/>
+            <ac:spMk id="3" creationId="{A88399CA-BBD6-ECCC-534E-0335C54116C3}"/>
+          </ac:spMkLst>
+        </pc:spChg>
+      </pc:sldChg>
+      <pc:sldChg chg="addSp delSp modSp new mod">
+        <pc:chgData name="Philippe Baucour" userId="5102170ae7533958" providerId="LiveId" clId="{FB309223-E9E0-44D1-8A29-32821B1882E7}" dt="2024-08-21T09:38:10.829" v="184" actId="20577"/>
+        <pc:sldMkLst>
+          <pc:docMk/>
+          <pc:sldMk cId="892752956" sldId="259"/>
+        </pc:sldMkLst>
+        <pc:spChg chg="mod">
+          <ac:chgData name="Philippe Baucour" userId="5102170ae7533958" providerId="LiveId" clId="{FB309223-E9E0-44D1-8A29-32821B1882E7}" dt="2024-08-21T09:38:10.829" v="184" actId="20577"/>
+          <ac:spMkLst>
+            <pc:docMk/>
+            <pc:sldMk cId="892752956" sldId="259"/>
+            <ac:spMk id="2" creationId="{A024FC35-53CD-88DD-EF44-F283E03E345D}"/>
+          </ac:spMkLst>
+        </pc:spChg>
+        <pc:spChg chg="del">
+          <ac:chgData name="Philippe Baucour" userId="5102170ae7533958" providerId="LiveId" clId="{FB309223-E9E0-44D1-8A29-32821B1882E7}" dt="2024-08-21T07:54:03.478" v="60" actId="22"/>
+          <ac:spMkLst>
+            <pc:docMk/>
+            <pc:sldMk cId="892752956" sldId="259"/>
+            <ac:spMk id="3" creationId="{30646F99-932C-FBA7-BB1E-0F4196096025}"/>
+          </ac:spMkLst>
+        </pc:spChg>
+        <pc:picChg chg="add mod">
+          <ac:chgData name="Philippe Baucour" userId="5102170ae7533958" providerId="LiveId" clId="{FB309223-E9E0-44D1-8A29-32821B1882E7}" dt="2024-08-21T07:57:20.160" v="91" actId="1076"/>
+          <ac:picMkLst>
+            <pc:docMk/>
+            <pc:sldMk cId="892752956" sldId="259"/>
+            <ac:picMk id="5" creationId="{5ABBF3DD-A119-B54D-5723-943BC572AD06}"/>
+          </ac:picMkLst>
+        </pc:picChg>
+        <pc:picChg chg="add mod ord">
+          <ac:chgData name="Philippe Baucour" userId="5102170ae7533958" providerId="LiveId" clId="{FB309223-E9E0-44D1-8A29-32821B1882E7}" dt="2024-08-21T07:57:24.875" v="92" actId="1076"/>
+          <ac:picMkLst>
+            <pc:docMk/>
+            <pc:sldMk cId="892752956" sldId="259"/>
+            <ac:picMk id="7" creationId="{D3600613-DF05-C919-931A-D6FF20B36C7C}"/>
+          </ac:picMkLst>
+        </pc:picChg>
+        <pc:picChg chg="add mod">
+          <ac:chgData name="Philippe Baucour" userId="5102170ae7533958" providerId="LiveId" clId="{FB309223-E9E0-44D1-8A29-32821B1882E7}" dt="2024-08-21T07:57:05.575" v="89" actId="1076"/>
+          <ac:picMkLst>
+            <pc:docMk/>
+            <pc:sldMk cId="892752956" sldId="259"/>
+            <ac:picMk id="9" creationId="{5893ECF7-2F64-1068-FA39-5C705A8BDF9C}"/>
+          </ac:picMkLst>
+        </pc:picChg>
+      </pc:sldChg>
+      <pc:sldChg chg="del">
+        <pc:chgData name="Philippe Baucour" userId="5102170ae7533958" providerId="LiveId" clId="{FB309223-E9E0-44D1-8A29-32821B1882E7}" dt="2024-08-21T06:25:51.407" v="26" actId="47"/>
+        <pc:sldMkLst>
+          <pc:docMk/>
+          <pc:sldMk cId="3595025937" sldId="259"/>
+        </pc:sldMkLst>
+      </pc:sldChg>
+      <pc:sldChg chg="del">
+        <pc:chgData name="Philippe Baucour" userId="5102170ae7533958" providerId="LiveId" clId="{FB309223-E9E0-44D1-8A29-32821B1882E7}" dt="2024-08-21T06:25:44.400" v="25" actId="47"/>
+        <pc:sldMkLst>
+          <pc:docMk/>
+          <pc:sldMk cId="3605500931" sldId="260"/>
+        </pc:sldMkLst>
+      </pc:sldChg>
+      <pc:sldChg chg="addSp new mod modShow">
+        <pc:chgData name="Philippe Baucour" userId="5102170ae7533958" providerId="LiveId" clId="{FB309223-E9E0-44D1-8A29-32821B1882E7}" dt="2024-08-21T09:34:57.080" v="123" actId="729"/>
+        <pc:sldMkLst>
+          <pc:docMk/>
+          <pc:sldMk cId="3990801946" sldId="260"/>
+        </pc:sldMkLst>
+        <pc:picChg chg="add">
+          <ac:chgData name="Philippe Baucour" userId="5102170ae7533958" providerId="LiveId" clId="{FB309223-E9E0-44D1-8A29-32821B1882E7}" dt="2024-08-21T08:14:44.970" v="94" actId="22"/>
+          <ac:picMkLst>
+            <pc:docMk/>
+            <pc:sldMk cId="3990801946" sldId="260"/>
+            <ac:picMk id="5" creationId="{8B75FBC1-EA90-D2FE-23A0-F3731B5A3809}"/>
+          </ac:picMkLst>
+        </pc:picChg>
+      </pc:sldChg>
+      <pc:sldChg chg="del">
+        <pc:chgData name="Philippe Baucour" userId="5102170ae7533958" providerId="LiveId" clId="{FB309223-E9E0-44D1-8A29-32821B1882E7}" dt="2024-08-21T06:25:44.400" v="25" actId="47"/>
+        <pc:sldMkLst>
+          <pc:docMk/>
+          <pc:sldMk cId="1735660937" sldId="261"/>
+        </pc:sldMkLst>
+      </pc:sldChg>
+      <pc:sldChg chg="addSp modSp new mod">
+        <pc:chgData name="Philippe Baucour" userId="5102170ae7533958" providerId="LiveId" clId="{FB309223-E9E0-44D1-8A29-32821B1882E7}" dt="2024-08-21T09:43:32.664" v="374" actId="1076"/>
+        <pc:sldMkLst>
+          <pc:docMk/>
+          <pc:sldMk cId="3454558438" sldId="261"/>
+        </pc:sldMkLst>
+        <pc:spChg chg="mod">
+          <ac:chgData name="Philippe Baucour" userId="5102170ae7533958" providerId="LiveId" clId="{FB309223-E9E0-44D1-8A29-32821B1882E7}" dt="2024-08-21T09:38:50.907" v="219" actId="20577"/>
+          <ac:spMkLst>
+            <pc:docMk/>
+            <pc:sldMk cId="3454558438" sldId="261"/>
+            <ac:spMk id="2" creationId="{935C78F2-E436-8ADF-CE5B-66BF45E9E568}"/>
+          </ac:spMkLst>
+        </pc:spChg>
+        <pc:spChg chg="mod">
+          <ac:chgData name="Philippe Baucour" userId="5102170ae7533958" providerId="LiveId" clId="{FB309223-E9E0-44D1-8A29-32821B1882E7}" dt="2024-08-21T09:41:22.792" v="363" actId="20577"/>
+          <ac:spMkLst>
+            <pc:docMk/>
+            <pc:sldMk cId="3454558438" sldId="261"/>
+            <ac:spMk id="3" creationId="{E734364D-B34D-5F15-6CEE-9DA8E3E22AF4}"/>
+          </ac:spMkLst>
+        </pc:spChg>
+        <pc:spChg chg="add mod">
+          <ac:chgData name="Philippe Baucour" userId="5102170ae7533958" providerId="LiveId" clId="{FB309223-E9E0-44D1-8A29-32821B1882E7}" dt="2024-08-21T09:43:16.703" v="370" actId="1076"/>
+          <ac:spMkLst>
+            <pc:docMk/>
+            <pc:sldMk cId="3454558438" sldId="261"/>
+            <ac:spMk id="6" creationId="{C766939B-CC16-7C21-D857-130CDCE09F8D}"/>
+          </ac:spMkLst>
+        </pc:spChg>
+        <pc:spChg chg="add mod">
+          <ac:chgData name="Philippe Baucour" userId="5102170ae7533958" providerId="LiveId" clId="{FB309223-E9E0-44D1-8A29-32821B1882E7}" dt="2024-08-21T09:43:32.664" v="374" actId="1076"/>
+          <ac:spMkLst>
+            <pc:docMk/>
+            <pc:sldMk cId="3454558438" sldId="261"/>
+            <ac:spMk id="7" creationId="{18BC7FE4-5F78-D634-4263-6FA6A93BA047}"/>
+          </ac:spMkLst>
+        </pc:spChg>
+        <pc:picChg chg="add mod">
+          <ac:chgData name="Philippe Baucour" userId="5102170ae7533958" providerId="LiveId" clId="{FB309223-E9E0-44D1-8A29-32821B1882E7}" dt="2024-08-21T09:36:25.164" v="128" actId="14100"/>
+          <ac:picMkLst>
+            <pc:docMk/>
+            <pc:sldMk cId="3454558438" sldId="261"/>
+            <ac:picMk id="5" creationId="{2795080A-F80C-CE36-490B-9B7C1D2E065F}"/>
+          </ac:picMkLst>
+        </pc:picChg>
+      </pc:sldChg>
+      <pc:sldChg chg="addSp modSp new mod">
+        <pc:chgData name="Philippe Baucour" userId="5102170ae7533958" providerId="LiveId" clId="{FB309223-E9E0-44D1-8A29-32821B1882E7}" dt="2024-08-21T09:50:30.265" v="615" actId="1076"/>
+        <pc:sldMkLst>
+          <pc:docMk/>
+          <pc:sldMk cId="2740920124" sldId="262"/>
+        </pc:sldMkLst>
+        <pc:spChg chg="mod">
+          <ac:chgData name="Philippe Baucour" userId="5102170ae7533958" providerId="LiveId" clId="{FB309223-E9E0-44D1-8A29-32821B1882E7}" dt="2024-08-21T09:43:57.239" v="376"/>
+          <ac:spMkLst>
+            <pc:docMk/>
+            <pc:sldMk cId="2740920124" sldId="262"/>
+            <ac:spMk id="2" creationId="{54A1E88B-4A50-17FA-A85B-9497818A7071}"/>
+          </ac:spMkLst>
+        </pc:spChg>
+        <pc:spChg chg="mod">
+          <ac:chgData name="Philippe Baucour" userId="5102170ae7533958" providerId="LiveId" clId="{FB309223-E9E0-44D1-8A29-32821B1882E7}" dt="2024-08-21T09:50:20.789" v="614" actId="20577"/>
+          <ac:spMkLst>
+            <pc:docMk/>
+            <pc:sldMk cId="2740920124" sldId="262"/>
+            <ac:spMk id="3" creationId="{0006FB1E-E832-F506-45C7-50EE301D0B05}"/>
+          </ac:spMkLst>
+        </pc:spChg>
+        <pc:spChg chg="add mod">
+          <ac:chgData name="Philippe Baucour" userId="5102170ae7533958" providerId="LiveId" clId="{FB309223-E9E0-44D1-8A29-32821B1882E7}" dt="2024-08-21T09:50:30.265" v="615" actId="1076"/>
+          <ac:spMkLst>
+            <pc:docMk/>
+            <pc:sldMk cId="2740920124" sldId="262"/>
+            <ac:spMk id="6" creationId="{319E57BF-83E8-D8F8-033F-120C2C1D92A1}"/>
+          </ac:spMkLst>
+        </pc:spChg>
+        <pc:spChg chg="add mod">
+          <ac:chgData name="Philippe Baucour" userId="5102170ae7533958" providerId="LiveId" clId="{FB309223-E9E0-44D1-8A29-32821B1882E7}" dt="2024-08-21T09:47:45.925" v="448" actId="1076"/>
+          <ac:spMkLst>
+            <pc:docMk/>
+            <pc:sldMk cId="2740920124" sldId="262"/>
+            <ac:spMk id="7" creationId="{ADDDD8F1-8EC5-0A67-E1C4-FDF4AD008E81}"/>
+          </ac:spMkLst>
+        </pc:spChg>
+        <pc:picChg chg="add mod">
+          <ac:chgData name="Philippe Baucour" userId="5102170ae7533958" providerId="LiveId" clId="{FB309223-E9E0-44D1-8A29-32821B1882E7}" dt="2024-08-21T09:46:32.437" v="396" actId="14100"/>
+          <ac:picMkLst>
+            <pc:docMk/>
+            <pc:sldMk cId="2740920124" sldId="262"/>
+            <ac:picMk id="5" creationId="{81520DF2-72B8-6F56-80CE-7A098C984E5F}"/>
+          </ac:picMkLst>
+        </pc:picChg>
+      </pc:sldChg>
+      <pc:sldChg chg="addSp delSp modSp new mod ord modClrScheme chgLayout">
+        <pc:chgData name="Philippe Baucour" userId="5102170ae7533958" providerId="LiveId" clId="{FB309223-E9E0-44D1-8A29-32821B1882E7}" dt="2024-08-21T12:23:40.864" v="827" actId="14100"/>
+        <pc:sldMkLst>
+          <pc:docMk/>
+          <pc:sldMk cId="312535264" sldId="263"/>
+        </pc:sldMkLst>
+        <pc:spChg chg="del mod ord">
+          <ac:chgData name="Philippe Baucour" userId="5102170ae7533958" providerId="LiveId" clId="{FB309223-E9E0-44D1-8A29-32821B1882E7}" dt="2024-08-21T12:23:17.064" v="810" actId="700"/>
+          <ac:spMkLst>
+            <pc:docMk/>
+            <pc:sldMk cId="312535264" sldId="263"/>
+            <ac:spMk id="2" creationId="{F4044EF5-9ECC-76E9-63AF-0F02E108A35A}"/>
+          </ac:spMkLst>
+        </pc:spChg>
+        <pc:spChg chg="del mod ord">
+          <ac:chgData name="Philippe Baucour" userId="5102170ae7533958" providerId="LiveId" clId="{FB309223-E9E0-44D1-8A29-32821B1882E7}" dt="2024-08-21T12:23:17.064" v="810" actId="700"/>
+          <ac:spMkLst>
+            <pc:docMk/>
+            <pc:sldMk cId="312535264" sldId="263"/>
+            <ac:spMk id="3" creationId="{B776B5C4-87EF-3C6D-B666-D729B83914A9}"/>
+          </ac:spMkLst>
+        </pc:spChg>
+        <pc:spChg chg="add mod ord">
+          <ac:chgData name="Philippe Baucour" userId="5102170ae7533958" providerId="LiveId" clId="{FB309223-E9E0-44D1-8A29-32821B1882E7}" dt="2024-08-21T12:23:40.864" v="827" actId="14100"/>
+          <ac:spMkLst>
+            <pc:docMk/>
+            <pc:sldMk cId="312535264" sldId="263"/>
+            <ac:spMk id="4" creationId="{80E590DF-0A88-7056-85D1-A8E809E2318F}"/>
+          </ac:spMkLst>
+        </pc:spChg>
+        <pc:spChg chg="add mod ord">
+          <ac:chgData name="Philippe Baucour" userId="5102170ae7533958" providerId="LiveId" clId="{FB309223-E9E0-44D1-8A29-32821B1882E7}" dt="2024-08-21T12:23:17.064" v="810" actId="700"/>
+          <ac:spMkLst>
+            <pc:docMk/>
+            <pc:sldMk cId="312535264" sldId="263"/>
+            <ac:spMk id="5" creationId="{64E8BF61-007C-0740-1AA1-06B9449B33C7}"/>
+          </ac:spMkLst>
+        </pc:spChg>
+      </pc:sldChg>
+      <pc:sldChg chg="del">
+        <pc:chgData name="Philippe Baucour" userId="5102170ae7533958" providerId="LiveId" clId="{FB309223-E9E0-44D1-8A29-32821B1882E7}" dt="2024-08-21T06:25:44.400" v="25" actId="47"/>
+        <pc:sldMkLst>
+          <pc:docMk/>
+          <pc:sldMk cId="3032471110" sldId="264"/>
+        </pc:sldMkLst>
+      </pc:sldChg>
+      <pc:sldChg chg="del">
+        <pc:chgData name="Philippe Baucour" userId="5102170ae7533958" providerId="LiveId" clId="{FB309223-E9E0-44D1-8A29-32821B1882E7}" dt="2024-08-21T06:25:44.400" v="25" actId="47"/>
+        <pc:sldMkLst>
+          <pc:docMk/>
+          <pc:sldMk cId="747625521" sldId="266"/>
+        </pc:sldMkLst>
+      </pc:sldChg>
+      <pc:sldChg chg="del">
+        <pc:chgData name="Philippe Baucour" userId="5102170ae7533958" providerId="LiveId" clId="{FB309223-E9E0-44D1-8A29-32821B1882E7}" dt="2024-08-21T06:25:44.400" v="25" actId="47"/>
+        <pc:sldMkLst>
+          <pc:docMk/>
+          <pc:sldMk cId="2297956533" sldId="267"/>
+        </pc:sldMkLst>
+      </pc:sldChg>
+      <pc:sldChg chg="del">
+        <pc:chgData name="Philippe Baucour" userId="5102170ae7533958" providerId="LiveId" clId="{FB309223-E9E0-44D1-8A29-32821B1882E7}" dt="2024-08-21T06:25:44.400" v="25" actId="47"/>
+        <pc:sldMkLst>
+          <pc:docMk/>
+          <pc:sldMk cId="1147535142" sldId="268"/>
+        </pc:sldMkLst>
+      </pc:sldChg>
+      <pc:sldChg chg="del">
+        <pc:chgData name="Philippe Baucour" userId="5102170ae7533958" providerId="LiveId" clId="{FB309223-E9E0-44D1-8A29-32821B1882E7}" dt="2024-08-21T06:25:44.400" v="25" actId="47"/>
+        <pc:sldMkLst>
+          <pc:docMk/>
+          <pc:sldMk cId="1748231111" sldId="269"/>
+        </pc:sldMkLst>
+      </pc:sldChg>
+      <pc:sldChg chg="del">
+        <pc:chgData name="Philippe Baucour" userId="5102170ae7533958" providerId="LiveId" clId="{FB309223-E9E0-44D1-8A29-32821B1882E7}" dt="2024-08-21T06:25:44.400" v="25" actId="47"/>
+        <pc:sldMkLst>
+          <pc:docMk/>
+          <pc:sldMk cId="2492228979" sldId="270"/>
+        </pc:sldMkLst>
+      </pc:sldChg>
+      <pc:sldChg chg="del">
+        <pc:chgData name="Philippe Baucour" userId="5102170ae7533958" providerId="LiveId" clId="{FB309223-E9E0-44D1-8A29-32821B1882E7}" dt="2024-08-21T06:25:44.400" v="25" actId="47"/>
+        <pc:sldMkLst>
+          <pc:docMk/>
+          <pc:sldMk cId="1525589597" sldId="271"/>
+        </pc:sldMkLst>
+      </pc:sldChg>
+      <pc:sldChg chg="del">
+        <pc:chgData name="Philippe Baucour" userId="5102170ae7533958" providerId="LiveId" clId="{FB309223-E9E0-44D1-8A29-32821B1882E7}" dt="2024-08-21T06:25:44.400" v="25" actId="47"/>
+        <pc:sldMkLst>
+          <pc:docMk/>
+          <pc:sldMk cId="789373151" sldId="272"/>
+        </pc:sldMkLst>
+      </pc:sldChg>
+      <pc:sldChg chg="del">
+        <pc:chgData name="Philippe Baucour" userId="5102170ae7533958" providerId="LiveId" clId="{FB309223-E9E0-44D1-8A29-32821B1882E7}" dt="2024-08-21T06:25:44.400" v="25" actId="47"/>
+        <pc:sldMkLst>
+          <pc:docMk/>
+          <pc:sldMk cId="84679321" sldId="273"/>
+        </pc:sldMkLst>
+      </pc:sldChg>
+      <pc:sldChg chg="del">
+        <pc:chgData name="Philippe Baucour" userId="5102170ae7533958" providerId="LiveId" clId="{FB309223-E9E0-44D1-8A29-32821B1882E7}" dt="2024-08-21T06:25:44.400" v="25" actId="47"/>
+        <pc:sldMkLst>
+          <pc:docMk/>
+          <pc:sldMk cId="3456324371" sldId="274"/>
+        </pc:sldMkLst>
+      </pc:sldChg>
+      <pc:sldChg chg="del">
+        <pc:chgData name="Philippe Baucour" userId="5102170ae7533958" providerId="LiveId" clId="{FB309223-E9E0-44D1-8A29-32821B1882E7}" dt="2024-08-21T06:25:44.400" v="25" actId="47"/>
+        <pc:sldMkLst>
+          <pc:docMk/>
+          <pc:sldMk cId="2038859278" sldId="275"/>
+        </pc:sldMkLst>
+      </pc:sldChg>
+      <pc:sldChg chg="del">
+        <pc:chgData name="Philippe Baucour" userId="5102170ae7533958" providerId="LiveId" clId="{FB309223-E9E0-44D1-8A29-32821B1882E7}" dt="2024-08-21T06:25:44.400" v="25" actId="47"/>
+        <pc:sldMkLst>
+          <pc:docMk/>
+          <pc:sldMk cId="983044138" sldId="276"/>
+        </pc:sldMkLst>
+      </pc:sldChg>
+      <pc:sldChg chg="del">
+        <pc:chgData name="Philippe Baucour" userId="5102170ae7533958" providerId="LiveId" clId="{FB309223-E9E0-44D1-8A29-32821B1882E7}" dt="2024-08-21T06:25:44.400" v="25" actId="47"/>
+        <pc:sldMkLst>
+          <pc:docMk/>
+          <pc:sldMk cId="3225795604" sldId="277"/>
+        </pc:sldMkLst>
+      </pc:sldChg>
+      <pc:sldChg chg="del">
+        <pc:chgData name="Philippe Baucour" userId="5102170ae7533958" providerId="LiveId" clId="{FB309223-E9E0-44D1-8A29-32821B1882E7}" dt="2024-08-21T06:25:44.400" v="25" actId="47"/>
+        <pc:sldMkLst>
+          <pc:docMk/>
+          <pc:sldMk cId="694977292" sldId="278"/>
+        </pc:sldMkLst>
+      </pc:sldChg>
+      <pc:sldChg chg="del">
+        <pc:chgData name="Philippe Baucour" userId="5102170ae7533958" providerId="LiveId" clId="{FB309223-E9E0-44D1-8A29-32821B1882E7}" dt="2024-08-21T06:25:44.400" v="25" actId="47"/>
+        <pc:sldMkLst>
+          <pc:docMk/>
+          <pc:sldMk cId="1712493428" sldId="279"/>
+        </pc:sldMkLst>
+      </pc:sldChg>
+      <pc:sldMasterChg chg="delSldLayout">
+        <pc:chgData name="Philippe Baucour" userId="5102170ae7533958" providerId="LiveId" clId="{FB309223-E9E0-44D1-8A29-32821B1882E7}" dt="2024-08-21T06:25:44.400" v="25" actId="47"/>
+        <pc:sldMasterMkLst>
+          <pc:docMk/>
+          <pc:sldMasterMk cId="4125817664" sldId="2147483660"/>
+        </pc:sldMasterMkLst>
+        <pc:sldLayoutChg chg="del">
+          <pc:chgData name="Philippe Baucour" userId="5102170ae7533958" providerId="LiveId" clId="{FB309223-E9E0-44D1-8A29-32821B1882E7}" dt="2024-08-21T06:25:44.400" v="25" actId="47"/>
+          <pc:sldLayoutMkLst>
+            <pc:docMk/>
+            <pc:sldMasterMk cId="4125817664" sldId="2147483660"/>
+            <pc:sldLayoutMk cId="1645818959" sldId="2147483672"/>
+          </pc:sldLayoutMkLst>
+        </pc:sldLayoutChg>
+      </pc:sldMasterChg>
     </pc:docChg>
   </pc:docChgLst>
 </pc:chgInfo>
@@ -1643,7 +1666,7 @@
           <a:p>
             <a:fld id="{FD1752CD-A7D2-4825-BC26-9DAEFBD0A5FF}" type="datetimeFigureOut">
               <a:rPr lang="fr-FR" smtClean="0"/>
-              <a:t>21/08/2024</a:t>
+              <a:t>24/08/2024</a:t>
             </a:fld>
             <a:endParaRPr lang="fr-FR"/>
           </a:p>
@@ -2057,7 +2080,7 @@
           <a:p>
             <a:fld id="{7ECB9D5A-E5E4-41FE-AF39-634902D6D5D2}" type="datetimeFigureOut">
               <a:rPr lang="fr-FR" smtClean="0"/>
-              <a:t>21/08/2024</a:t>
+              <a:t>24/08/2024</a:t>
             </a:fld>
             <a:endParaRPr lang="fr-FR"/>
           </a:p>
@@ -2255,7 +2278,7 @@
           <a:p>
             <a:fld id="{7ECB9D5A-E5E4-41FE-AF39-634902D6D5D2}" type="datetimeFigureOut">
               <a:rPr lang="fr-FR" smtClean="0"/>
-              <a:t>21/08/2024</a:t>
+              <a:t>24/08/2024</a:t>
             </a:fld>
             <a:endParaRPr lang="fr-FR"/>
           </a:p>
@@ -2463,7 +2486,7 @@
           <a:p>
             <a:fld id="{7ECB9D5A-E5E4-41FE-AF39-634902D6D5D2}" type="datetimeFigureOut">
               <a:rPr lang="fr-FR" smtClean="0"/>
-              <a:t>21/08/2024</a:t>
+              <a:t>24/08/2024</a:t>
             </a:fld>
             <a:endParaRPr lang="fr-FR"/>
           </a:p>
@@ -2661,7 +2684,7 @@
           <a:p>
             <a:fld id="{7ECB9D5A-E5E4-41FE-AF39-634902D6D5D2}" type="datetimeFigureOut">
               <a:rPr lang="fr-FR" smtClean="0"/>
-              <a:t>21/08/2024</a:t>
+              <a:t>24/08/2024</a:t>
             </a:fld>
             <a:endParaRPr lang="fr-FR"/>
           </a:p>
@@ -2936,7 +2959,7 @@
           <a:p>
             <a:fld id="{7ECB9D5A-E5E4-41FE-AF39-634902D6D5D2}" type="datetimeFigureOut">
               <a:rPr lang="fr-FR" smtClean="0"/>
-              <a:t>21/08/2024</a:t>
+              <a:t>24/08/2024</a:t>
             </a:fld>
             <a:endParaRPr lang="fr-FR"/>
           </a:p>
@@ -3201,7 +3224,7 @@
           <a:p>
             <a:fld id="{7ECB9D5A-E5E4-41FE-AF39-634902D6D5D2}" type="datetimeFigureOut">
               <a:rPr lang="fr-FR" smtClean="0"/>
-              <a:t>21/08/2024</a:t>
+              <a:t>24/08/2024</a:t>
             </a:fld>
             <a:endParaRPr lang="fr-FR"/>
           </a:p>
@@ -3613,7 +3636,7 @@
           <a:p>
             <a:fld id="{7ECB9D5A-E5E4-41FE-AF39-634902D6D5D2}" type="datetimeFigureOut">
               <a:rPr lang="fr-FR" smtClean="0"/>
-              <a:t>21/08/2024</a:t>
+              <a:t>24/08/2024</a:t>
             </a:fld>
             <a:endParaRPr lang="fr-FR"/>
           </a:p>
@@ -3754,7 +3777,7 @@
           <a:p>
             <a:fld id="{7ECB9D5A-E5E4-41FE-AF39-634902D6D5D2}" type="datetimeFigureOut">
               <a:rPr lang="fr-FR" smtClean="0"/>
-              <a:t>21/08/2024</a:t>
+              <a:t>24/08/2024</a:t>
             </a:fld>
             <a:endParaRPr lang="fr-FR"/>
           </a:p>
@@ -3867,7 +3890,7 @@
           <a:p>
             <a:fld id="{7ECB9D5A-E5E4-41FE-AF39-634902D6D5D2}" type="datetimeFigureOut">
               <a:rPr lang="fr-FR" smtClean="0"/>
-              <a:t>21/08/2024</a:t>
+              <a:t>24/08/2024</a:t>
             </a:fld>
             <a:endParaRPr lang="fr-FR"/>
           </a:p>
@@ -4178,7 +4201,7 @@
           <a:p>
             <a:fld id="{7ECB9D5A-E5E4-41FE-AF39-634902D6D5D2}" type="datetimeFigureOut">
               <a:rPr lang="fr-FR" smtClean="0"/>
-              <a:t>21/08/2024</a:t>
+              <a:t>24/08/2024</a:t>
             </a:fld>
             <a:endParaRPr lang="fr-FR"/>
           </a:p>
@@ -4469,7 +4492,7 @@
           <a:p>
             <a:fld id="{7ECB9D5A-E5E4-41FE-AF39-634902D6D5D2}" type="datetimeFigureOut">
               <a:rPr lang="fr-FR" smtClean="0"/>
-              <a:t>21/08/2024</a:t>
+              <a:t>24/08/2024</a:t>
             </a:fld>
             <a:endParaRPr lang="fr-FR"/>
           </a:p>
@@ -4710,7 +4733,7 @@
           <a:p>
             <a:fld id="{7ECB9D5A-E5E4-41FE-AF39-634902D6D5D2}" type="datetimeFigureOut">
               <a:rPr lang="fr-FR" smtClean="0"/>
-              <a:t>21/08/2024</a:t>
+              <a:t>24/08/2024</a:t>
             </a:fld>
             <a:endParaRPr lang="fr-FR"/>
           </a:p>
@@ -5183,7 +5206,7 @@
         </p:spPr>
         <p:txBody>
           <a:bodyPr>
-            <a:normAutofit/>
+            <a:normAutofit lnSpcReduction="10000"/>
           </a:bodyPr>
           <a:lstStyle/>
           <a:p>
@@ -5233,6 +5256,22 @@
                 <a:hlinkClick r:id="rId4"/>
               </a:rPr>
               <a:t>https://github.com/40tude/fullstack_mars_2024_3/tree/main/04_big_data/99_Project_Steam</a:t>
+            </a:r>
+            <a:endParaRPr lang="fr-FR" sz="1400" dirty="0"/>
+          </a:p>
+          <a:p>
+            <a:pPr algn="l"/>
+            <a:endParaRPr lang="fr-FR" sz="1400" dirty="0"/>
+          </a:p>
+          <a:p>
+            <a:pPr algn="l"/>
+            <a:r>
+              <a:rPr lang="en-US" sz="1400" dirty="0"/>
+              <a:t>The content of the following slides is mainly a cut-and-paste of what's already available in the project notebook(s). The idea is that the slides can be used to guide and frame the presentation and </a:t>
+            </a:r>
+            <a:r>
+              <a:rPr lang="en-US" sz="1400"/>
+              <a:t>discussion.</a:t>
             </a:r>
             <a:endParaRPr lang="fr-FR" sz="1400" dirty="0"/>
           </a:p>
